--- a/Submission/Interaction_PAC_v1.pptx
+++ b/Submission/Interaction_PAC_v1.pptx
@@ -3574,7 +3574,7 @@
           <a:p>
             <a:r>
               <a:rPr lang="en-US"/>
-              <a:t>Applicable domain of PAC rchitecture:</a:t>
+              <a:t>Applicable domain of PAC architecture:</a:t>
             </a:r>
             <a:endParaRPr lang="en-US"/>
           </a:p>
